--- a/EPS-Types.pptx
+++ b/EPS-Types.pptx
@@ -171,6 +171,22 @@
       </a:defRPr>
     </a:lvl9pPr>
   </p:defaultTextStyle>
+  <p:extLst>
+    <p:ext uri="{EFAFB233-063F-42B5-8137-9DF3F51BA10A}">
+      <p15:sldGuideLst xmlns:p15="http://schemas.microsoft.com/office/powerpoint/2012/main">
+        <p15:guide id="1" orient="horz" pos="2160">
+          <p15:clr>
+            <a:srgbClr val="A4A3A4"/>
+          </p15:clr>
+        </p15:guide>
+        <p15:guide id="2" pos="2880">
+          <p15:clr>
+            <a:srgbClr val="A4A3A4"/>
+          </p15:clr>
+        </p15:guide>
+      </p15:sldGuideLst>
+    </p:ext>
+  </p:extLst>
 </p:presentation>
 </file>
 
@@ -252,7 +268,7 @@
               </a14:hiddenEffects>
             </a:ext>
             <a:ext uri="{FAA26D3D-D897-4be2-8F04-BA451C77F1D7}">
-              <ma14:placeholderFlag xmlns:mc="http://schemas.openxmlformats.org/markup-compatibility/2006" xmlns:mv="urn:schemas-microsoft-com:mac:vml" xmlns="" xmlns:ma14="http://schemas.microsoft.com/office/mac/drawingml/2011/main" val="1"/>
+              <ma14:placeholderFlag xmlns:ma14="http://schemas.microsoft.com/office/mac/drawingml/2011/main" xmlns="" xmlns:mv="urn:schemas-microsoft-com:mac:vml" xmlns:mc="http://schemas.openxmlformats.org/markup-compatibility/2006" val="1"/>
             </a:ext>
           </a:extLst>
         </p:spPr>
@@ -325,7 +341,7 @@
               </a14:hiddenEffects>
             </a:ext>
             <a:ext uri="{FAA26D3D-D897-4be2-8F04-BA451C77F1D7}">
-              <ma14:placeholderFlag xmlns:mc="http://schemas.openxmlformats.org/markup-compatibility/2006" xmlns:mv="urn:schemas-microsoft-com:mac:vml" xmlns="" xmlns:ma14="http://schemas.microsoft.com/office/mac/drawingml/2011/main" val="1"/>
+              <ma14:placeholderFlag xmlns:ma14="http://schemas.microsoft.com/office/mac/drawingml/2011/main" xmlns="" xmlns:mv="urn:schemas-microsoft-com:mac:vml" xmlns:mc="http://schemas.openxmlformats.org/markup-compatibility/2006" val="1"/>
             </a:ext>
           </a:extLst>
         </p:spPr>
@@ -444,7 +460,7 @@
               </a14:hiddenEffects>
             </a:ext>
             <a:ext uri="{FAA26D3D-D897-4be2-8F04-BA451C77F1D7}">
-              <ma14:placeholderFlag xmlns:mc="http://schemas.openxmlformats.org/markup-compatibility/2006" xmlns:mv="urn:schemas-microsoft-com:mac:vml" xmlns="" xmlns:ma14="http://schemas.microsoft.com/office/mac/drawingml/2011/main" val="1"/>
+              <ma14:placeholderFlag xmlns:ma14="http://schemas.microsoft.com/office/mac/drawingml/2011/main" xmlns="" xmlns:mv="urn:schemas-microsoft-com:mac:vml" xmlns:mc="http://schemas.openxmlformats.org/markup-compatibility/2006" val="1"/>
             </a:ext>
           </a:extLst>
         </p:spPr>
@@ -545,7 +561,7 @@
               </a14:hiddenEffects>
             </a:ext>
             <a:ext uri="{FAA26D3D-D897-4be2-8F04-BA451C77F1D7}">
-              <ma14:placeholderFlag xmlns:mc="http://schemas.openxmlformats.org/markup-compatibility/2006" xmlns:mv="urn:schemas-microsoft-com:mac:vml" xmlns="" xmlns:ma14="http://schemas.microsoft.com/office/mac/drawingml/2011/main" val="1"/>
+              <ma14:placeholderFlag xmlns:ma14="http://schemas.microsoft.com/office/mac/drawingml/2011/main" xmlns="" xmlns:mv="urn:schemas-microsoft-com:mac:vml" xmlns:mc="http://schemas.openxmlformats.org/markup-compatibility/2006" val="1"/>
             </a:ext>
           </a:extLst>
         </p:spPr>
@@ -618,7 +634,7 @@
               </a14:hiddenEffects>
             </a:ext>
             <a:ext uri="{FAA26D3D-D897-4be2-8F04-BA451C77F1D7}">
-              <ma14:placeholderFlag xmlns:mc="http://schemas.openxmlformats.org/markup-compatibility/2006" xmlns:mv="urn:schemas-microsoft-com:mac:vml" xmlns="" xmlns:ma14="http://schemas.microsoft.com/office/mac/drawingml/2011/main" val="1"/>
+              <ma14:placeholderFlag xmlns:ma14="http://schemas.microsoft.com/office/mac/drawingml/2011/main" xmlns="" xmlns:mv="urn:schemas-microsoft-com:mac:vml" xmlns:mc="http://schemas.openxmlformats.org/markup-compatibility/2006" val="1"/>
             </a:ext>
           </a:extLst>
         </p:spPr>
@@ -833,7 +849,7 @@
           <a:ln/>
           <a:extLst>
             <a:ext uri="{FAA26D3D-D897-4be2-8F04-BA451C77F1D7}">
-              <ma14:placeholderFlag xmlns:mc="http://schemas.openxmlformats.org/markup-compatibility/2006" xmlns:mv="urn:schemas-microsoft-com:mac:vml" xmlns="" xmlns:ma14="http://schemas.microsoft.com/office/mac/drawingml/2011/main" val="1"/>
+              <ma14:placeholderFlag xmlns:ma14="http://schemas.microsoft.com/office/mac/drawingml/2011/main" xmlns="" xmlns:mv="urn:schemas-microsoft-com:mac:vml" xmlns:mc="http://schemas.openxmlformats.org/markup-compatibility/2006" val="1"/>
             </a:ext>
           </a:extLst>
         </p:spPr>
@@ -975,7 +991,7 @@
           <a:ln/>
           <a:extLst>
             <a:ext uri="{FAA26D3D-D897-4be2-8F04-BA451C77F1D7}">
-              <ma14:placeholderFlag xmlns:mc="http://schemas.openxmlformats.org/markup-compatibility/2006" xmlns:mv="urn:schemas-microsoft-com:mac:vml" xmlns="" xmlns:ma14="http://schemas.microsoft.com/office/mac/drawingml/2011/main" val="1"/>
+              <ma14:placeholderFlag xmlns:ma14="http://schemas.microsoft.com/office/mac/drawingml/2011/main" xmlns="" xmlns:mv="urn:schemas-microsoft-com:mac:vml" xmlns:mc="http://schemas.openxmlformats.org/markup-compatibility/2006" val="1"/>
             </a:ext>
           </a:extLst>
         </p:spPr>
@@ -1117,7 +1133,7 @@
           <a:ln/>
           <a:extLst>
             <a:ext uri="{FAA26D3D-D897-4be2-8F04-BA451C77F1D7}">
-              <ma14:placeholderFlag xmlns:mc="http://schemas.openxmlformats.org/markup-compatibility/2006" xmlns:mv="urn:schemas-microsoft-com:mac:vml" xmlns="" xmlns:ma14="http://schemas.microsoft.com/office/mac/drawingml/2011/main" val="1"/>
+              <ma14:placeholderFlag xmlns:ma14="http://schemas.microsoft.com/office/mac/drawingml/2011/main" xmlns="" xmlns:mv="urn:schemas-microsoft-com:mac:vml" xmlns:mc="http://schemas.openxmlformats.org/markup-compatibility/2006" val="1"/>
             </a:ext>
           </a:extLst>
         </p:spPr>
@@ -1259,7 +1275,7 @@
           <a:ln/>
           <a:extLst>
             <a:ext uri="{FAA26D3D-D897-4be2-8F04-BA451C77F1D7}">
-              <ma14:placeholderFlag xmlns:mc="http://schemas.openxmlformats.org/markup-compatibility/2006" xmlns:mv="urn:schemas-microsoft-com:mac:vml" xmlns="" xmlns:ma14="http://schemas.microsoft.com/office/mac/drawingml/2011/main" val="1"/>
+              <ma14:placeholderFlag xmlns:ma14="http://schemas.microsoft.com/office/mac/drawingml/2011/main" xmlns="" xmlns:mv="urn:schemas-microsoft-com:mac:vml" xmlns:mc="http://schemas.openxmlformats.org/markup-compatibility/2006" val="1"/>
             </a:ext>
           </a:extLst>
         </p:spPr>
@@ -1401,7 +1417,7 @@
           <a:ln/>
           <a:extLst>
             <a:ext uri="{FAA26D3D-D897-4be2-8F04-BA451C77F1D7}">
-              <ma14:placeholderFlag xmlns:mc="http://schemas.openxmlformats.org/markup-compatibility/2006" xmlns:mv="urn:schemas-microsoft-com:mac:vml" xmlns="" xmlns:ma14="http://schemas.microsoft.com/office/mac/drawingml/2011/main" val="1"/>
+              <ma14:placeholderFlag xmlns:ma14="http://schemas.microsoft.com/office/mac/drawingml/2011/main" xmlns="" xmlns:mv="urn:schemas-microsoft-com:mac:vml" xmlns:mc="http://schemas.openxmlformats.org/markup-compatibility/2006" val="1"/>
             </a:ext>
           </a:extLst>
         </p:spPr>
@@ -1543,7 +1559,7 @@
           <a:ln/>
           <a:extLst>
             <a:ext uri="{FAA26D3D-D897-4be2-8F04-BA451C77F1D7}">
-              <ma14:placeholderFlag xmlns:mc="http://schemas.openxmlformats.org/markup-compatibility/2006" xmlns:mv="urn:schemas-microsoft-com:mac:vml" xmlns="" xmlns:ma14="http://schemas.microsoft.com/office/mac/drawingml/2011/main" val="1"/>
+              <ma14:placeholderFlag xmlns:ma14="http://schemas.microsoft.com/office/mac/drawingml/2011/main" xmlns="" xmlns:mv="urn:schemas-microsoft-com:mac:vml" xmlns:mc="http://schemas.openxmlformats.org/markup-compatibility/2006" val="1"/>
             </a:ext>
           </a:extLst>
         </p:spPr>
@@ -1685,7 +1701,7 @@
           <a:ln/>
           <a:extLst>
             <a:ext uri="{FAA26D3D-D897-4be2-8F04-BA451C77F1D7}">
-              <ma14:placeholderFlag xmlns:mc="http://schemas.openxmlformats.org/markup-compatibility/2006" xmlns:mv="urn:schemas-microsoft-com:mac:vml" xmlns="" xmlns:ma14="http://schemas.microsoft.com/office/mac/drawingml/2011/main" val="1"/>
+              <ma14:placeholderFlag xmlns:ma14="http://schemas.microsoft.com/office/mac/drawingml/2011/main" xmlns="" xmlns:mv="urn:schemas-microsoft-com:mac:vml" xmlns:mc="http://schemas.openxmlformats.org/markup-compatibility/2006" val="1"/>
             </a:ext>
           </a:extLst>
         </p:spPr>
@@ -1827,7 +1843,7 @@
           <a:ln/>
           <a:extLst>
             <a:ext uri="{FAA26D3D-D897-4be2-8F04-BA451C77F1D7}">
-              <ma14:placeholderFlag xmlns:mc="http://schemas.openxmlformats.org/markup-compatibility/2006" xmlns:mv="urn:schemas-microsoft-com:mac:vml" xmlns="" xmlns:ma14="http://schemas.microsoft.com/office/mac/drawingml/2011/main" val="1"/>
+              <ma14:placeholderFlag xmlns:ma14="http://schemas.microsoft.com/office/mac/drawingml/2011/main" xmlns="" xmlns:mv="urn:schemas-microsoft-com:mac:vml" xmlns:mc="http://schemas.openxmlformats.org/markup-compatibility/2006" val="1"/>
             </a:ext>
           </a:extLst>
         </p:spPr>
@@ -1929,7 +1945,7 @@
           <a:ln/>
           <a:extLst>
             <a:ext uri="{FAA26D3D-D897-4be2-8F04-BA451C77F1D7}">
-              <ma14:placeholderFlag xmlns:mc="http://schemas.openxmlformats.org/markup-compatibility/2006" xmlns:mv="urn:schemas-microsoft-com:mac:vml" xmlns="" xmlns:ma14="http://schemas.microsoft.com/office/mac/drawingml/2011/main" val="1"/>
+              <ma14:placeholderFlag xmlns:ma14="http://schemas.microsoft.com/office/mac/drawingml/2011/main" xmlns="" xmlns:mv="urn:schemas-microsoft-com:mac:vml" xmlns:mc="http://schemas.openxmlformats.org/markup-compatibility/2006" val="1"/>
             </a:ext>
           </a:extLst>
         </p:spPr>
@@ -2031,7 +2047,7 @@
           <a:ln/>
           <a:extLst>
             <a:ext uri="{FAA26D3D-D897-4be2-8F04-BA451C77F1D7}">
-              <ma14:placeholderFlag xmlns:mc="http://schemas.openxmlformats.org/markup-compatibility/2006" xmlns:mv="urn:schemas-microsoft-com:mac:vml" xmlns="" xmlns:ma14="http://schemas.microsoft.com/office/mac/drawingml/2011/main" val="1"/>
+              <ma14:placeholderFlag xmlns:ma14="http://schemas.microsoft.com/office/mac/drawingml/2011/main" xmlns="" xmlns:mv="urn:schemas-microsoft-com:mac:vml" xmlns:mc="http://schemas.openxmlformats.org/markup-compatibility/2006" val="1"/>
             </a:ext>
           </a:extLst>
         </p:spPr>
@@ -2133,7 +2149,7 @@
           <a:ln/>
           <a:extLst>
             <a:ext uri="{FAA26D3D-D897-4be2-8F04-BA451C77F1D7}">
-              <ma14:placeholderFlag xmlns:mc="http://schemas.openxmlformats.org/markup-compatibility/2006" xmlns:mv="urn:schemas-microsoft-com:mac:vml" xmlns="" xmlns:ma14="http://schemas.microsoft.com/office/mac/drawingml/2011/main" val="1"/>
+              <ma14:placeholderFlag xmlns:ma14="http://schemas.microsoft.com/office/mac/drawingml/2011/main" xmlns="" xmlns:mv="urn:schemas-microsoft-com:mac:vml" xmlns:mc="http://schemas.openxmlformats.org/markup-compatibility/2006" val="1"/>
             </a:ext>
           </a:extLst>
         </p:spPr>
@@ -2235,7 +2251,7 @@
           <a:ln/>
           <a:extLst>
             <a:ext uri="{FAA26D3D-D897-4be2-8F04-BA451C77F1D7}">
-              <ma14:placeholderFlag xmlns:mc="http://schemas.openxmlformats.org/markup-compatibility/2006" xmlns:mv="urn:schemas-microsoft-com:mac:vml" xmlns="" xmlns:ma14="http://schemas.microsoft.com/office/mac/drawingml/2011/main" val="1"/>
+              <ma14:placeholderFlag xmlns:ma14="http://schemas.microsoft.com/office/mac/drawingml/2011/main" xmlns="" xmlns:mv="urn:schemas-microsoft-com:mac:vml" xmlns:mc="http://schemas.openxmlformats.org/markup-compatibility/2006" val="1"/>
             </a:ext>
           </a:extLst>
         </p:spPr>
@@ -2377,7 +2393,7 @@
           <a:ln/>
           <a:extLst>
             <a:ext uri="{FAA26D3D-D897-4be2-8F04-BA451C77F1D7}">
-              <ma14:placeholderFlag xmlns:mc="http://schemas.openxmlformats.org/markup-compatibility/2006" xmlns:mv="urn:schemas-microsoft-com:mac:vml" xmlns="" xmlns:ma14="http://schemas.microsoft.com/office/mac/drawingml/2011/main" val="1"/>
+              <ma14:placeholderFlag xmlns:ma14="http://schemas.microsoft.com/office/mac/drawingml/2011/main" xmlns="" xmlns:mv="urn:schemas-microsoft-com:mac:vml" xmlns:mc="http://schemas.openxmlformats.org/markup-compatibility/2006" val="1"/>
             </a:ext>
           </a:extLst>
         </p:spPr>
@@ -2479,7 +2495,7 @@
           <a:ln/>
           <a:extLst>
             <a:ext uri="{FAA26D3D-D897-4be2-8F04-BA451C77F1D7}">
-              <ma14:placeholderFlag xmlns:mc="http://schemas.openxmlformats.org/markup-compatibility/2006" xmlns:mv="urn:schemas-microsoft-com:mac:vml" xmlns="" xmlns:ma14="http://schemas.microsoft.com/office/mac/drawingml/2011/main" val="1"/>
+              <ma14:placeholderFlag xmlns:ma14="http://schemas.microsoft.com/office/mac/drawingml/2011/main" xmlns="" xmlns:mv="urn:schemas-microsoft-com:mac:vml" xmlns:mc="http://schemas.openxmlformats.org/markup-compatibility/2006" val="1"/>
             </a:ext>
           </a:extLst>
         </p:spPr>
@@ -2581,7 +2597,7 @@
           <a:ln/>
           <a:extLst>
             <a:ext uri="{FAA26D3D-D897-4be2-8F04-BA451C77F1D7}">
-              <ma14:placeholderFlag xmlns:mc="http://schemas.openxmlformats.org/markup-compatibility/2006" xmlns:mv="urn:schemas-microsoft-com:mac:vml" xmlns="" xmlns:ma14="http://schemas.microsoft.com/office/mac/drawingml/2011/main" val="1"/>
+              <ma14:placeholderFlag xmlns:ma14="http://schemas.microsoft.com/office/mac/drawingml/2011/main" xmlns="" xmlns:mv="urn:schemas-microsoft-com:mac:vml" xmlns:mc="http://schemas.openxmlformats.org/markup-compatibility/2006" val="1"/>
             </a:ext>
           </a:extLst>
         </p:spPr>
@@ -2683,7 +2699,7 @@
           <a:ln/>
           <a:extLst>
             <a:ext uri="{FAA26D3D-D897-4be2-8F04-BA451C77F1D7}">
-              <ma14:placeholderFlag xmlns:mc="http://schemas.openxmlformats.org/markup-compatibility/2006" xmlns:mv="urn:schemas-microsoft-com:mac:vml" xmlns="" xmlns:ma14="http://schemas.microsoft.com/office/mac/drawingml/2011/main" val="1"/>
+              <ma14:placeholderFlag xmlns:ma14="http://schemas.microsoft.com/office/mac/drawingml/2011/main" xmlns="" xmlns:mv="urn:schemas-microsoft-com:mac:vml" xmlns:mc="http://schemas.openxmlformats.org/markup-compatibility/2006" val="1"/>
             </a:ext>
           </a:extLst>
         </p:spPr>
@@ -2785,7 +2801,7 @@
           <a:ln/>
           <a:extLst>
             <a:ext uri="{FAA26D3D-D897-4be2-8F04-BA451C77F1D7}">
-              <ma14:placeholderFlag xmlns:mc="http://schemas.openxmlformats.org/markup-compatibility/2006" xmlns:mv="urn:schemas-microsoft-com:mac:vml" xmlns="" xmlns:ma14="http://schemas.microsoft.com/office/mac/drawingml/2011/main" val="1"/>
+              <ma14:placeholderFlag xmlns:ma14="http://schemas.microsoft.com/office/mac/drawingml/2011/main" xmlns="" xmlns:mv="urn:schemas-microsoft-com:mac:vml" xmlns:mc="http://schemas.openxmlformats.org/markup-compatibility/2006" val="1"/>
             </a:ext>
           </a:extLst>
         </p:spPr>
@@ -2887,7 +2903,7 @@
           <a:ln/>
           <a:extLst>
             <a:ext uri="{FAA26D3D-D897-4be2-8F04-BA451C77F1D7}">
-              <ma14:placeholderFlag xmlns:mc="http://schemas.openxmlformats.org/markup-compatibility/2006" xmlns:mv="urn:schemas-microsoft-com:mac:vml" xmlns="" xmlns:ma14="http://schemas.microsoft.com/office/mac/drawingml/2011/main" val="1"/>
+              <ma14:placeholderFlag xmlns:ma14="http://schemas.microsoft.com/office/mac/drawingml/2011/main" xmlns="" xmlns:mv="urn:schemas-microsoft-com:mac:vml" xmlns:mc="http://schemas.openxmlformats.org/markup-compatibility/2006" val="1"/>
             </a:ext>
           </a:extLst>
         </p:spPr>
@@ -2989,7 +3005,7 @@
           <a:ln/>
           <a:extLst>
             <a:ext uri="{FAA26D3D-D897-4be2-8F04-BA451C77F1D7}">
-              <ma14:placeholderFlag xmlns:mc="http://schemas.openxmlformats.org/markup-compatibility/2006" xmlns:mv="urn:schemas-microsoft-com:mac:vml" xmlns="" xmlns:ma14="http://schemas.microsoft.com/office/mac/drawingml/2011/main" val="1"/>
+              <ma14:placeholderFlag xmlns:ma14="http://schemas.microsoft.com/office/mac/drawingml/2011/main" xmlns="" xmlns:mv="urn:schemas-microsoft-com:mac:vml" xmlns:mc="http://schemas.openxmlformats.org/markup-compatibility/2006" val="1"/>
             </a:ext>
           </a:extLst>
         </p:spPr>
@@ -3091,7 +3107,7 @@
           <a:ln/>
           <a:extLst>
             <a:ext uri="{FAA26D3D-D897-4be2-8F04-BA451C77F1D7}">
-              <ma14:placeholderFlag xmlns:mc="http://schemas.openxmlformats.org/markup-compatibility/2006" xmlns:mv="urn:schemas-microsoft-com:mac:vml" xmlns="" xmlns:ma14="http://schemas.microsoft.com/office/mac/drawingml/2011/main" val="1"/>
+              <ma14:placeholderFlag xmlns:ma14="http://schemas.microsoft.com/office/mac/drawingml/2011/main" xmlns="" xmlns:mv="urn:schemas-microsoft-com:mac:vml" xmlns:mc="http://schemas.openxmlformats.org/markup-compatibility/2006" val="1"/>
             </a:ext>
           </a:extLst>
         </p:spPr>
@@ -3233,7 +3249,7 @@
           <a:ln/>
           <a:extLst>
             <a:ext uri="{FAA26D3D-D897-4be2-8F04-BA451C77F1D7}">
-              <ma14:placeholderFlag xmlns:mc="http://schemas.openxmlformats.org/markup-compatibility/2006" xmlns:mv="urn:schemas-microsoft-com:mac:vml" xmlns="" xmlns:ma14="http://schemas.microsoft.com/office/mac/drawingml/2011/main" val="1"/>
+              <ma14:placeholderFlag xmlns:ma14="http://schemas.microsoft.com/office/mac/drawingml/2011/main" xmlns="" xmlns:mv="urn:schemas-microsoft-com:mac:vml" xmlns:mc="http://schemas.openxmlformats.org/markup-compatibility/2006" val="1"/>
             </a:ext>
           </a:extLst>
         </p:spPr>
@@ -3346,7 +3362,7 @@
           <a:ln/>
           <a:extLst>
             <a:ext uri="{FAA26D3D-D897-4be2-8F04-BA451C77F1D7}">
-              <ma14:placeholderFlag xmlns:mc="http://schemas.openxmlformats.org/markup-compatibility/2006" xmlns:mv="urn:schemas-microsoft-com:mac:vml" xmlns="" xmlns:ma14="http://schemas.microsoft.com/office/mac/drawingml/2011/main" val="1"/>
+              <ma14:placeholderFlag xmlns:ma14="http://schemas.microsoft.com/office/mac/drawingml/2011/main" xmlns="" xmlns:mv="urn:schemas-microsoft-com:mac:vml" xmlns:mc="http://schemas.openxmlformats.org/markup-compatibility/2006" val="1"/>
             </a:ext>
           </a:extLst>
         </p:spPr>
@@ -3488,7 +3504,7 @@
           <a:ln/>
           <a:extLst>
             <a:ext uri="{FAA26D3D-D897-4be2-8F04-BA451C77F1D7}">
-              <ma14:placeholderFlag xmlns:mc="http://schemas.openxmlformats.org/markup-compatibility/2006" xmlns:mv="urn:schemas-microsoft-com:mac:vml" xmlns="" xmlns:ma14="http://schemas.microsoft.com/office/mac/drawingml/2011/main" val="1"/>
+              <ma14:placeholderFlag xmlns:ma14="http://schemas.microsoft.com/office/mac/drawingml/2011/main" xmlns="" xmlns:mv="urn:schemas-microsoft-com:mac:vml" xmlns:mc="http://schemas.openxmlformats.org/markup-compatibility/2006" val="1"/>
             </a:ext>
           </a:extLst>
         </p:spPr>
@@ -3630,7 +3646,7 @@
           <a:ln/>
           <a:extLst>
             <a:ext uri="{FAA26D3D-D897-4be2-8F04-BA451C77F1D7}">
-              <ma14:placeholderFlag xmlns:mc="http://schemas.openxmlformats.org/markup-compatibility/2006" xmlns:mv="urn:schemas-microsoft-com:mac:vml" xmlns="" xmlns:ma14="http://schemas.microsoft.com/office/mac/drawingml/2011/main" val="1"/>
+              <ma14:placeholderFlag xmlns:ma14="http://schemas.microsoft.com/office/mac/drawingml/2011/main" xmlns="" xmlns:mv="urn:schemas-microsoft-com:mac:vml" xmlns:mc="http://schemas.openxmlformats.org/markup-compatibility/2006" val="1"/>
             </a:ext>
           </a:extLst>
         </p:spPr>
@@ -3772,7 +3788,7 @@
           <a:ln/>
           <a:extLst>
             <a:ext uri="{FAA26D3D-D897-4be2-8F04-BA451C77F1D7}">
-              <ma14:placeholderFlag xmlns:mc="http://schemas.openxmlformats.org/markup-compatibility/2006" xmlns:mv="urn:schemas-microsoft-com:mac:vml" xmlns="" xmlns:ma14="http://schemas.microsoft.com/office/mac/drawingml/2011/main" val="1"/>
+              <ma14:placeholderFlag xmlns:ma14="http://schemas.microsoft.com/office/mac/drawingml/2011/main" xmlns="" xmlns:mv="urn:schemas-microsoft-com:mac:vml" xmlns:mc="http://schemas.openxmlformats.org/markup-compatibility/2006" val="1"/>
             </a:ext>
           </a:extLst>
         </p:spPr>
@@ -3914,7 +3930,7 @@
           <a:ln/>
           <a:extLst>
             <a:ext uri="{FAA26D3D-D897-4be2-8F04-BA451C77F1D7}">
-              <ma14:placeholderFlag xmlns:mc="http://schemas.openxmlformats.org/markup-compatibility/2006" xmlns:mv="urn:schemas-microsoft-com:mac:vml" xmlns="" xmlns:ma14="http://schemas.microsoft.com/office/mac/drawingml/2011/main" val="1"/>
+              <ma14:placeholderFlag xmlns:ma14="http://schemas.microsoft.com/office/mac/drawingml/2011/main" xmlns="" xmlns:mv="urn:schemas-microsoft-com:mac:vml" xmlns:mc="http://schemas.openxmlformats.org/markup-compatibility/2006" val="1"/>
             </a:ext>
           </a:extLst>
         </p:spPr>
@@ -4056,7 +4072,7 @@
           <a:ln/>
           <a:extLst>
             <a:ext uri="{FAA26D3D-D897-4be2-8F04-BA451C77F1D7}">
-              <ma14:placeholderFlag xmlns:mc="http://schemas.openxmlformats.org/markup-compatibility/2006" xmlns:mv="urn:schemas-microsoft-com:mac:vml" xmlns="" xmlns:ma14="http://schemas.microsoft.com/office/mac/drawingml/2011/main" val="1"/>
+              <ma14:placeholderFlag xmlns:ma14="http://schemas.microsoft.com/office/mac/drawingml/2011/main" xmlns="" xmlns:mv="urn:schemas-microsoft-com:mac:vml" xmlns:mc="http://schemas.openxmlformats.org/markup-compatibility/2006" val="1"/>
             </a:ext>
           </a:extLst>
         </p:spPr>
@@ -4198,7 +4214,7 @@
           <a:ln/>
           <a:extLst>
             <a:ext uri="{FAA26D3D-D897-4be2-8F04-BA451C77F1D7}">
-              <ma14:placeholderFlag xmlns:mc="http://schemas.openxmlformats.org/markup-compatibility/2006" xmlns:mv="urn:schemas-microsoft-com:mac:vml" xmlns="" xmlns:ma14="http://schemas.microsoft.com/office/mac/drawingml/2011/main" val="1"/>
+              <ma14:placeholderFlag xmlns:ma14="http://schemas.microsoft.com/office/mac/drawingml/2011/main" xmlns="" xmlns:mv="urn:schemas-microsoft-com:mac:vml" xmlns:mc="http://schemas.openxmlformats.org/markup-compatibility/2006" val="1"/>
             </a:ext>
           </a:extLst>
         </p:spPr>
@@ -7262,8 +7278,8 @@
         </p:nvSpPr>
         <p:spPr bwMode="auto">
           <a:xfrm>
-            <a:off x="1727200" y="4126554"/>
-            <a:ext cx="7872413" cy="1929759"/>
+            <a:off x="1727200" y="5413060"/>
+            <a:ext cx="7872413" cy="643253"/>
           </a:xfrm>
           <a:prstGeom prst="rect">
             <a:avLst/>
@@ -7421,40 +7437,6 @@
                 <a:spcPct val="95000"/>
               </a:lnSpc>
             </a:pPr>
-            <a:r>
-              <a:rPr lang="en-US" sz="4400" dirty="0">
-                <a:solidFill>
-                  <a:srgbClr val="EBDDC3"/>
-                </a:solidFill>
-                <a:latin typeface="Arial" charset="0"/>
-              </a:rPr>
-              <a:t>INF 212</a:t>
-            </a:r>
-            <a:br>
-              <a:rPr lang="en-US" sz="4400" dirty="0">
-                <a:solidFill>
-                  <a:srgbClr val="EBDDC3"/>
-                </a:solidFill>
-                <a:latin typeface="Arial" charset="0"/>
-              </a:rPr>
-            </a:br>
-            <a:r>
-              <a:rPr lang="en-US" sz="4400" dirty="0">
-                <a:solidFill>
-                  <a:srgbClr val="EBDDC3"/>
-                </a:solidFill>
-                <a:latin typeface="Arial" charset="0"/>
-              </a:rPr>
-              <a:t>ANALYSIS OF PROG. LANGS</a:t>
-            </a:r>
-            <a:br>
-              <a:rPr lang="en-US" sz="4400" dirty="0">
-                <a:solidFill>
-                  <a:srgbClr val="EBDDC3"/>
-                </a:solidFill>
-                <a:latin typeface="Arial" charset="0"/>
-              </a:rPr>
-            </a:br>
             <a:r>
               <a:rPr lang="en-US" sz="4400" i="1" dirty="0" smtClean="0">
                 <a:solidFill>
@@ -9473,9 +9455,27 @@
                 <a:tableStyleId>{2D5ABB26-0587-4C30-8999-92F81FD0307C}</a:tableStyleId>
               </a:tblPr>
               <a:tblGrid>
-                <a:gridCol w="2971800"/>
-                <a:gridCol w="2971800"/>
-                <a:gridCol w="2971800"/>
+                <a:gridCol w="2971800">
+                  <a:extLst>
+                    <a:ext uri="{9D8B030D-6E8A-4147-A177-3AD203B41FA5}">
+                      <a16:colId xmlns:a16="http://schemas.microsoft.com/office/drawing/2014/main" val="20000"/>
+                    </a:ext>
+                  </a:extLst>
+                </a:gridCol>
+                <a:gridCol w="2971800">
+                  <a:extLst>
+                    <a:ext uri="{9D8B030D-6E8A-4147-A177-3AD203B41FA5}">
+                      <a16:colId xmlns:a16="http://schemas.microsoft.com/office/drawing/2014/main" val="20001"/>
+                    </a:ext>
+                  </a:extLst>
+                </a:gridCol>
+                <a:gridCol w="2971800">
+                  <a:extLst>
+                    <a:ext uri="{9D8B030D-6E8A-4147-A177-3AD203B41FA5}">
+                      <a16:colId xmlns:a16="http://schemas.microsoft.com/office/drawing/2014/main" val="20002"/>
+                    </a:ext>
+                  </a:extLst>
+                </a:gridCol>
               </a:tblGrid>
               <a:tr h="717050">
                 <a:tc>
@@ -9634,6 +9634,11 @@
                     </a:lnB>
                   </a:tcPr>
                 </a:tc>
+                <a:extLst>
+                  <a:ext uri="{0D108BD9-81ED-4DB2-BD59-A6C34878D82A}">
+                    <a16:rowId xmlns:a16="http://schemas.microsoft.com/office/drawing/2014/main" val="10000"/>
+                  </a:ext>
+                </a:extLst>
               </a:tr>
               <a:tr h="2559549">
                 <a:tc>
@@ -9814,6 +9819,11 @@
                     </a:lnB>
                   </a:tcPr>
                 </a:tc>
+                <a:extLst>
+                  <a:ext uri="{0D108BD9-81ED-4DB2-BD59-A6C34878D82A}">
+                    <a16:rowId xmlns:a16="http://schemas.microsoft.com/office/drawing/2014/main" val="10001"/>
+                  </a:ext>
+                </a:extLst>
               </a:tr>
               <a:tr h="1942009">
                 <a:tc>
@@ -10022,6 +10032,11 @@
                     </a:lnB>
                   </a:tcPr>
                 </a:tc>
+                <a:extLst>
+                  <a:ext uri="{0D108BD9-81ED-4DB2-BD59-A6C34878D82A}">
+                    <a16:rowId xmlns:a16="http://schemas.microsoft.com/office/drawing/2014/main" val="10002"/>
+                  </a:ext>
+                </a:extLst>
               </a:tr>
             </a:tbl>
           </a:graphicData>
